--- a/Documentos/metodos_numericos.pptx
+++ b/Documentos/metodos_numericos.pptx
@@ -8,6 +8,9 @@
     <p:sldId id="256" r:id="rId2"/>
     <p:sldId id="257" r:id="rId3"/>
     <p:sldId id="258" r:id="rId4"/>
+    <p:sldId id="259" r:id="rId5"/>
+    <p:sldId id="260" r:id="rId6"/>
+    <p:sldId id="261" r:id="rId7"/>
   </p:sldIdLst>
   <p:sldSz cx="12192000" cy="6858000"/>
   <p:notesSz cx="6858000" cy="9144000"/>
@@ -106,6 +109,11 @@
       </a:defRPr>
     </a:lvl9pPr>
   </p:defaultTextStyle>
+  <p:extLst>
+    <p:ext uri="{EFAFB233-063F-42B5-8137-9DF3F51BA10A}">
+      <p15:sldGuideLst xmlns:p15="http://schemas.microsoft.com/office/powerpoint/2012/main"/>
+    </p:ext>
+  </p:extLst>
 </p:presentation>
 </file>
 
@@ -4146,6 +4154,17 @@
 <file path=ppt/slides/slide3.xml><?xml version="1.0" encoding="utf-8"?>
 <p:sld xmlns:a="http://schemas.openxmlformats.org/drawingml/2006/main" xmlns:r="http://schemas.openxmlformats.org/officeDocument/2006/relationships" xmlns:p="http://schemas.openxmlformats.org/presentationml/2006/main">
   <p:cSld>
+    <p:bg>
+      <p:bgPr>
+        <a:solidFill>
+          <a:schemeClr val="bg1">
+            <a:tint val="95000"/>
+            <a:satMod val="170000"/>
+          </a:schemeClr>
+        </a:solidFill>
+        <a:effectLst/>
+      </p:bgPr>
+    </p:bg>
     <p:spTree>
       <p:nvGrpSpPr>
         <p:cNvPr id="1" name=""/>
@@ -4162,6 +4181,263 @@
       </p:grpSpPr>
       <p:sp>
         <p:nvSpPr>
+          <p:cNvPr id="12" name="Freeform: Shape 7">
+            <a:extLst>
+              <a:ext uri="{FF2B5EF4-FFF2-40B4-BE49-F238E27FC236}">
+                <a16:creationId xmlns:a16="http://schemas.microsoft.com/office/drawing/2014/main" id="{4F9857ED-1DEF-4481-AEB4-E7759342AC1A}"/>
+              </a:ext>
+              <a:ext uri="{C183D7F6-B498-43B3-948B-1728B52AA6E4}">
+                <adec:decorative xmlns:adec="http://schemas.microsoft.com/office/drawing/2017/decorative" val="1"/>
+              </a:ext>
+            </a:extLst>
+          </p:cNvPr>
+          <p:cNvSpPr>
+            <a:spLocks noGrp="1" noRot="1" noChangeAspect="1" noMove="1" noResize="1" noEditPoints="1" noAdjustHandles="1" noChangeArrowheads="1" noChangeShapeType="1" noTextEdit="1"/>
+          </p:cNvSpPr>
+          <p:nvPr>
+            <p:extLst>
+              <p:ext uri="{386F3935-93C4-4BCD-93E2-E3B085C9AB24}">
+                <p16:designElem xmlns:p16="http://schemas.microsoft.com/office/powerpoint/2015/main" val="1"/>
+              </p:ext>
+            </p:extLst>
+          </p:nvPr>
+        </p:nvSpPr>
+        <p:spPr>
+          <a:xfrm flipH="1">
+            <a:off x="1" y="0"/>
+            <a:ext cx="5457275" cy="6858000"/>
+          </a:xfrm>
+          <a:custGeom>
+            <a:avLst/>
+            <a:gdLst>
+              <a:gd name="connsiteX0" fmla="*/ 5457275 w 5457275"/>
+              <a:gd name="connsiteY0" fmla="*/ 0 h 6858000"/>
+              <a:gd name="connsiteX1" fmla="*/ 361354 w 5457275"/>
+              <a:gd name="connsiteY1" fmla="*/ 0 h 6858000"/>
+              <a:gd name="connsiteX2" fmla="*/ 335637 w 5457275"/>
+              <a:gd name="connsiteY2" fmla="*/ 94722 h 6858000"/>
+              <a:gd name="connsiteX3" fmla="*/ 690849 w 5457275"/>
+              <a:gd name="connsiteY3" fmla="*/ 6842426 h 6858000"/>
+              <a:gd name="connsiteX4" fmla="*/ 696735 w 5457275"/>
+              <a:gd name="connsiteY4" fmla="*/ 6858000 h 6858000"/>
+              <a:gd name="connsiteX5" fmla="*/ 5457275 w 5457275"/>
+              <a:gd name="connsiteY5" fmla="*/ 6858000 h 6858000"/>
+            </a:gdLst>
+            <a:ahLst/>
+            <a:cxnLst>
+              <a:cxn ang="0">
+                <a:pos x="connsiteX0" y="connsiteY0"/>
+              </a:cxn>
+              <a:cxn ang="0">
+                <a:pos x="connsiteX1" y="connsiteY1"/>
+              </a:cxn>
+              <a:cxn ang="0">
+                <a:pos x="connsiteX2" y="connsiteY2"/>
+              </a:cxn>
+              <a:cxn ang="0">
+                <a:pos x="connsiteX3" y="connsiteY3"/>
+              </a:cxn>
+              <a:cxn ang="0">
+                <a:pos x="connsiteX4" y="connsiteY4"/>
+              </a:cxn>
+              <a:cxn ang="0">
+                <a:pos x="connsiteX5" y="connsiteY5"/>
+              </a:cxn>
+            </a:cxnLst>
+            <a:rect l="l" t="t" r="r" b="b"/>
+            <a:pathLst>
+              <a:path w="5457275" h="6858000">
+                <a:moveTo>
+                  <a:pt x="5457275" y="0"/>
+                </a:moveTo>
+                <a:lnTo>
+                  <a:pt x="361354" y="0"/>
+                </a:lnTo>
+                <a:lnTo>
+                  <a:pt x="335637" y="94722"/>
+                </a:lnTo>
+                <a:cubicBezTo>
+                  <a:pt x="-226206" y="2374054"/>
+                  <a:pt x="-65870" y="4704140"/>
+                  <a:pt x="690849" y="6842426"/>
+                </a:cubicBezTo>
+                <a:lnTo>
+                  <a:pt x="696735" y="6858000"/>
+                </a:lnTo>
+                <a:lnTo>
+                  <a:pt x="5457275" y="6858000"/>
+                </a:lnTo>
+                <a:close/>
+              </a:path>
+            </a:pathLst>
+          </a:custGeom>
+          <a:solidFill>
+            <a:schemeClr val="tx1">
+              <a:alpha val="80000"/>
+            </a:schemeClr>
+          </a:solidFill>
+          <a:ln>
+            <a:noFill/>
+          </a:ln>
+        </p:spPr>
+        <p:style>
+          <a:lnRef idx="2">
+            <a:schemeClr val="accent1">
+              <a:shade val="50000"/>
+            </a:schemeClr>
+          </a:lnRef>
+          <a:fillRef idx="1">
+            <a:schemeClr val="accent1"/>
+          </a:fillRef>
+          <a:effectRef idx="0">
+            <a:schemeClr val="accent1"/>
+          </a:effectRef>
+          <a:fontRef idx="minor">
+            <a:schemeClr val="lt1"/>
+          </a:fontRef>
+        </p:style>
+        <p:txBody>
+          <a:bodyPr wrap="square" rtlCol="0" anchor="ctr">
+            <a:noAutofit/>
+          </a:bodyPr>
+          <a:lstStyle/>
+          <a:p>
+            <a:pPr algn="ctr"/>
+            <a:endParaRPr lang="en-US"/>
+          </a:p>
+        </p:txBody>
+      </p:sp>
+      <p:sp>
+        <p:nvSpPr>
+          <p:cNvPr id="13" name="Freeform: Shape 9">
+            <a:extLst>
+              <a:ext uri="{FF2B5EF4-FFF2-40B4-BE49-F238E27FC236}">
+                <a16:creationId xmlns:a16="http://schemas.microsoft.com/office/drawing/2014/main" id="{D6E4FBE1-8E8A-42A6-B693-88C8979D80EA}"/>
+              </a:ext>
+              <a:ext uri="{C183D7F6-B498-43B3-948B-1728B52AA6E4}">
+                <adec:decorative xmlns:adec="http://schemas.microsoft.com/office/drawing/2017/decorative" val="1"/>
+              </a:ext>
+            </a:extLst>
+          </p:cNvPr>
+          <p:cNvSpPr>
+            <a:spLocks noGrp="1" noRot="1" noChangeAspect="1" noMove="1" noResize="1" noEditPoints="1" noAdjustHandles="1" noChangeArrowheads="1" noChangeShapeType="1" noTextEdit="1"/>
+          </p:cNvSpPr>
+          <p:nvPr>
+            <p:extLst>
+              <p:ext uri="{386F3935-93C4-4BCD-93E2-E3B085C9AB24}">
+                <p16:designElem xmlns:p16="http://schemas.microsoft.com/office/powerpoint/2015/main" val="1"/>
+              </p:ext>
+            </p:extLst>
+          </p:nvPr>
+        </p:nvSpPr>
+        <p:spPr>
+          <a:xfrm flipH="1">
+            <a:off x="1" y="0"/>
+            <a:ext cx="5228693" cy="6858000"/>
+          </a:xfrm>
+          <a:custGeom>
+            <a:avLst/>
+            <a:gdLst>
+              <a:gd name="connsiteX0" fmla="*/ 5228693 w 5228693"/>
+              <a:gd name="connsiteY0" fmla="*/ 0 h 6858000"/>
+              <a:gd name="connsiteX1" fmla="*/ 371685 w 5228693"/>
+              <a:gd name="connsiteY1" fmla="*/ 1 h 6858000"/>
+              <a:gd name="connsiteX2" fmla="*/ 319533 w 5228693"/>
+              <a:gd name="connsiteY2" fmla="*/ 193787 h 6858000"/>
+              <a:gd name="connsiteX3" fmla="*/ 623642 w 5228693"/>
+              <a:gd name="connsiteY3" fmla="*/ 6599363 h 6858000"/>
+              <a:gd name="connsiteX4" fmla="*/ 717029 w 5228693"/>
+              <a:gd name="connsiteY4" fmla="*/ 6858000 h 6858000"/>
+              <a:gd name="connsiteX5" fmla="*/ 5228693 w 5228693"/>
+              <a:gd name="connsiteY5" fmla="*/ 6858000 h 6858000"/>
+            </a:gdLst>
+            <a:ahLst/>
+            <a:cxnLst>
+              <a:cxn ang="0">
+                <a:pos x="connsiteX0" y="connsiteY0"/>
+              </a:cxn>
+              <a:cxn ang="0">
+                <a:pos x="connsiteX1" y="connsiteY1"/>
+              </a:cxn>
+              <a:cxn ang="0">
+                <a:pos x="connsiteX2" y="connsiteY2"/>
+              </a:cxn>
+              <a:cxn ang="0">
+                <a:pos x="connsiteX3" y="connsiteY3"/>
+              </a:cxn>
+              <a:cxn ang="0">
+                <a:pos x="connsiteX4" y="connsiteY4"/>
+              </a:cxn>
+              <a:cxn ang="0">
+                <a:pos x="connsiteX5" y="connsiteY5"/>
+              </a:cxn>
+            </a:cxnLst>
+            <a:rect l="l" t="t" r="r" b="b"/>
+            <a:pathLst>
+              <a:path w="5228693" h="6858000">
+                <a:moveTo>
+                  <a:pt x="5228693" y="0"/>
+                </a:moveTo>
+                <a:lnTo>
+                  <a:pt x="371685" y="1"/>
+                </a:lnTo>
+                <a:lnTo>
+                  <a:pt x="319533" y="193787"/>
+                </a:lnTo>
+                <a:cubicBezTo>
+                  <a:pt x="-206622" y="2355719"/>
+                  <a:pt x="-67685" y="4563346"/>
+                  <a:pt x="623642" y="6599363"/>
+                </a:cubicBezTo>
+                <a:lnTo>
+                  <a:pt x="717029" y="6858000"/>
+                </a:lnTo>
+                <a:lnTo>
+                  <a:pt x="5228693" y="6858000"/>
+                </a:lnTo>
+                <a:close/>
+              </a:path>
+            </a:pathLst>
+          </a:custGeom>
+          <a:solidFill>
+            <a:schemeClr val="bg1">
+              <a:lumMod val="65000"/>
+              <a:lumOff val="35000"/>
+            </a:schemeClr>
+          </a:solidFill>
+          <a:ln>
+            <a:noFill/>
+          </a:ln>
+        </p:spPr>
+        <p:style>
+          <a:lnRef idx="2">
+            <a:schemeClr val="accent1">
+              <a:shade val="50000"/>
+            </a:schemeClr>
+          </a:lnRef>
+          <a:fillRef idx="1">
+            <a:schemeClr val="accent1"/>
+          </a:fillRef>
+          <a:effectRef idx="0">
+            <a:schemeClr val="accent1"/>
+          </a:effectRef>
+          <a:fontRef idx="minor">
+            <a:schemeClr val="lt1"/>
+          </a:fontRef>
+        </p:style>
+        <p:txBody>
+          <a:bodyPr wrap="square" rtlCol="0" anchor="ctr">
+            <a:noAutofit/>
+          </a:bodyPr>
+          <a:lstStyle/>
+          <a:p>
+            <a:pPr algn="ctr"/>
+            <a:endParaRPr lang="en-US"/>
+          </a:p>
+        </p:txBody>
+      </p:sp>
+      <p:sp>
+        <p:nvSpPr>
           <p:cNvPr id="2" name="Title 1">
             <a:extLst>
               <a:ext uri="{FF2B5EF4-FFF2-40B4-BE49-F238E27FC236}">
@@ -4176,13 +4452,20 @@
             <p:ph type="title"/>
           </p:nvPr>
         </p:nvSpPr>
-        <p:spPr/>
-        <p:txBody>
-          <a:bodyPr/>
-          <a:lstStyle/>
-          <a:p>
-            <a:r>
-              <a:rPr lang="es-MX" dirty="0"/>
+        <p:spPr>
+          <a:xfrm>
+            <a:off x="804671" y="1330007"/>
+            <a:ext cx="3820669" cy="4692396"/>
+          </a:xfrm>
+        </p:spPr>
+        <p:txBody>
+          <a:bodyPr anchor="ctr">
+            <a:normAutofit/>
+          </a:bodyPr>
+          <a:lstStyle/>
+          <a:p>
+            <a:r>
+              <a:rPr lang="es-MX" sz="5400"/>
               <a:t>Método de Newton - Raphson</a:t>
             </a:r>
           </a:p>
@@ -4206,77 +4489,84 @@
                 <p:ph idx="1"/>
               </p:nvPr>
             </p:nvSpPr>
-            <p:spPr/>
+            <p:spPr>
+              <a:xfrm>
+                <a:off x="6071616" y="1330007"/>
+                <a:ext cx="5477256" cy="4692396"/>
+              </a:xfrm>
+            </p:spPr>
             <p:txBody>
-              <a:bodyPr/>
+              <a:bodyPr anchor="ctr">
+                <a:normAutofit/>
+              </a:bodyPr>
               <a:lstStyle/>
               <a:p>
                 <a:r>
-                  <a:rPr lang="es-ES" dirty="0"/>
+                  <a:rPr lang="es-ES" sz="2200"/>
                   <a:t>Este método de resolución numérica busca un cero de la función</a:t>
                 </a:r>
                 <a:r>
-                  <a:rPr lang="es-ES" b="1" dirty="0"/>
+                  <a:rPr lang="es-ES" sz="2200" b="1"/>
                   <a:t> f(x)</a:t>
                 </a:r>
                 <a:r>
-                  <a:rPr lang="es-ES" dirty="0"/>
+                  <a:rPr lang="es-ES" sz="2200"/>
                   <a:t> por aproximaciones sucesivas a partir de un valor inicial </a:t>
                 </a:r>
                 <a:r>
-                  <a:rPr lang="es-ES" b="1" dirty="0"/>
+                  <a:rPr lang="es-ES" sz="2200" b="1"/>
                   <a:t>x</a:t>
                 </a:r>
                 <a:r>
-                  <a:rPr lang="es-ES" b="1" baseline="-25000" dirty="0"/>
+                  <a:rPr lang="es-ES" sz="2200" b="1" baseline="-25000"/>
                   <a:t>0</a:t>
                 </a:r>
                 <a:r>
-                  <a:rPr lang="es-ES" dirty="0"/>
+                  <a:rPr lang="es-ES" sz="2200"/>
                   <a:t>. El valor sucesivo </a:t>
                 </a:r>
                 <a:r>
-                  <a:rPr lang="es-ES" b="1" dirty="0"/>
+                  <a:rPr lang="es-ES" sz="2200" b="1"/>
                   <a:t>x</a:t>
                 </a:r>
                 <a:r>
-                  <a:rPr lang="es-ES" b="1" baseline="-25000" dirty="0"/>
+                  <a:rPr lang="es-ES" sz="2200" b="1" baseline="-25000"/>
                   <a:t>n+1</a:t>
                 </a:r>
                 <a:r>
-                  <a:rPr lang="es-ES" dirty="0"/>
+                  <a:rPr lang="es-ES" sz="2200"/>
                   <a:t> es la abscisa del punto en que la tangente a la gráfica de </a:t>
                 </a:r>
                 <a:r>
-                  <a:rPr lang="es-ES" b="1" dirty="0"/>
+                  <a:rPr lang="es-ES" sz="2200" b="1"/>
                   <a:t>f(x)</a:t>
                 </a:r>
                 <a:r>
-                  <a:rPr lang="es-ES" dirty="0"/>
+                  <a:rPr lang="es-ES" sz="2200"/>
                   <a:t> en </a:t>
                 </a:r>
                 <a:r>
-                  <a:rPr lang="es-ES" b="1" dirty="0" err="1"/>
+                  <a:rPr lang="es-ES" sz="2200" b="1"/>
                   <a:t>x</a:t>
                 </a:r>
                 <a:r>
-                  <a:rPr lang="es-ES" b="1" baseline="-25000" dirty="0" err="1"/>
+                  <a:rPr lang="es-ES" sz="2200" b="1" baseline="-25000"/>
                   <a:t>n</a:t>
                 </a:r>
                 <a:r>
-                  <a:rPr lang="es-ES" dirty="0"/>
+                  <a:rPr lang="es-ES" sz="2200"/>
                   <a:t> corta al eje </a:t>
                 </a:r>
                 <a:r>
-                  <a:rPr lang="es-ES" b="1" dirty="0" err="1"/>
+                  <a:rPr lang="es-ES" sz="2200" b="1"/>
                   <a:t>Ox</a:t>
                 </a:r>
                 <a:r>
-                  <a:rPr lang="es-ES" dirty="0"/>
+                  <a:rPr lang="es-ES" sz="2200"/>
                   <a:t>. Es decir,</a:t>
                 </a:r>
                 <a:r>
-                  <a:rPr lang="es-MX" dirty="0"/>
+                  <a:rPr lang="es-MX" sz="2200"/>
                   <a:t> </a:t>
                 </a:r>
                 <a14:m>
@@ -4284,14 +4574,14 @@
                     <m:sSub>
                       <m:sSubPr>
                         <m:ctrlPr>
-                          <a:rPr lang="en-US" b="0" i="1" smtClean="0">
+                          <a:rPr lang="en-US" sz="2200" b="0" i="1">
                             <a:latin typeface="Cambria Math" panose="02040503050406030204" pitchFamily="18" charset="0"/>
                           </a:rPr>
                         </m:ctrlPr>
                       </m:sSubPr>
                       <m:e>
                         <m:r>
-                          <a:rPr lang="en-US" b="0" i="1" smtClean="0">
+                          <a:rPr lang="en-US" sz="2200" b="0" i="1">
                             <a:latin typeface="Cambria Math" panose="02040503050406030204" pitchFamily="18" charset="0"/>
                           </a:rPr>
                           <m:t>𝑥</m:t>
@@ -4299,13 +4589,13 @@
                       </m:e>
                       <m:sub>
                         <m:r>
-                          <a:rPr lang="en-US" b="0" i="1" smtClean="0">
+                          <a:rPr lang="en-US" sz="2200" b="0" i="1">
                             <a:latin typeface="Cambria Math" panose="02040503050406030204" pitchFamily="18" charset="0"/>
                           </a:rPr>
                           <m:t>𝑛</m:t>
                         </m:r>
                         <m:r>
-                          <a:rPr lang="en-US" b="0" i="1" smtClean="0">
+                          <a:rPr lang="en-US" sz="2200" b="0" i="1">
                             <a:latin typeface="Cambria Math" panose="02040503050406030204" pitchFamily="18" charset="0"/>
                           </a:rPr>
                           <m:t>+1</m:t>
@@ -4313,7 +4603,7 @@
                       </m:sub>
                     </m:sSub>
                     <m:r>
-                      <a:rPr lang="en-US" b="0" i="1" smtClean="0">
+                      <a:rPr lang="en-US" sz="2200" b="0" i="1">
                         <a:latin typeface="Cambria Math" panose="02040503050406030204" pitchFamily="18" charset="0"/>
                       </a:rPr>
                       <m:t>=</m:t>
@@ -4321,14 +4611,14 @@
                     <m:sSub>
                       <m:sSubPr>
                         <m:ctrlPr>
-                          <a:rPr lang="en-US" b="0" i="1" smtClean="0">
+                          <a:rPr lang="en-US" sz="2200" b="0" i="1">
                             <a:latin typeface="Cambria Math" panose="02040503050406030204" pitchFamily="18" charset="0"/>
                           </a:rPr>
                         </m:ctrlPr>
                       </m:sSubPr>
                       <m:e>
                         <m:r>
-                          <a:rPr lang="en-US" b="0" i="1" smtClean="0">
+                          <a:rPr lang="en-US" sz="2200" b="0" i="1">
                             <a:latin typeface="Cambria Math" panose="02040503050406030204" pitchFamily="18" charset="0"/>
                           </a:rPr>
                           <m:t>𝑥</m:t>
@@ -4336,7 +4626,7 @@
                       </m:e>
                       <m:sub>
                         <m:r>
-                          <a:rPr lang="en-US" b="0" i="1" smtClean="0">
+                          <a:rPr lang="en-US" sz="2200" b="0" i="1">
                             <a:latin typeface="Cambria Math" panose="02040503050406030204" pitchFamily="18" charset="0"/>
                           </a:rPr>
                           <m:t>𝑛</m:t>
@@ -4344,7 +4634,7 @@
                       </m:sub>
                     </m:sSub>
                     <m:r>
-                      <a:rPr lang="en-US" b="0" i="1" smtClean="0">
+                      <a:rPr lang="en-US" sz="2200" b="0" i="1">
                         <a:latin typeface="Cambria Math" panose="02040503050406030204" pitchFamily="18" charset="0"/>
                       </a:rPr>
                       <m:t>−</m:t>
@@ -4352,20 +4642,20 @@
                     <m:f>
                       <m:fPr>
                         <m:ctrlPr>
-                          <a:rPr lang="en-US" b="0" i="1" smtClean="0">
+                          <a:rPr lang="en-US" sz="2200" b="0" i="1">
                             <a:latin typeface="Cambria Math" panose="02040503050406030204" pitchFamily="18" charset="0"/>
                           </a:rPr>
                         </m:ctrlPr>
                       </m:fPr>
                       <m:num>
                         <m:r>
-                          <a:rPr lang="en-US" b="0" i="1" smtClean="0">
+                          <a:rPr lang="en-US" sz="2200" b="0" i="1">
                             <a:latin typeface="Cambria Math" panose="02040503050406030204" pitchFamily="18" charset="0"/>
                           </a:rPr>
                           <m:t>𝑓</m:t>
                         </m:r>
                         <m:r>
-                          <a:rPr lang="en-US" b="0" i="1" smtClean="0">
+                          <a:rPr lang="en-US" sz="2200" b="0" i="1">
                             <a:latin typeface="Cambria Math" panose="02040503050406030204" pitchFamily="18" charset="0"/>
                           </a:rPr>
                           <m:t>(</m:t>
@@ -4373,14 +4663,14 @@
                         <m:sSub>
                           <m:sSubPr>
                             <m:ctrlPr>
-                              <a:rPr lang="en-US" b="0" i="1" smtClean="0">
+                              <a:rPr lang="en-US" sz="2200" b="0" i="1">
                                 <a:latin typeface="Cambria Math" panose="02040503050406030204" pitchFamily="18" charset="0"/>
                               </a:rPr>
                             </m:ctrlPr>
                           </m:sSubPr>
                           <m:e>
                             <m:r>
-                              <a:rPr lang="en-US" b="0" i="1" smtClean="0">
+                              <a:rPr lang="en-US" sz="2200" b="0" i="1">
                                 <a:latin typeface="Cambria Math" panose="02040503050406030204" pitchFamily="18" charset="0"/>
                               </a:rPr>
                               <m:t>𝑥</m:t>
@@ -4388,7 +4678,7 @@
                           </m:e>
                           <m:sub>
                             <m:r>
-                              <a:rPr lang="en-US" b="0" i="1" smtClean="0">
+                              <a:rPr lang="en-US" sz="2200" b="0" i="1">
                                 <a:latin typeface="Cambria Math" panose="02040503050406030204" pitchFamily="18" charset="0"/>
                               </a:rPr>
                               <m:t>𝑛</m:t>
@@ -4396,7 +4686,7 @@
                           </m:sub>
                         </m:sSub>
                         <m:r>
-                          <a:rPr lang="en-US" b="0" i="1" smtClean="0">
+                          <a:rPr lang="en-US" sz="2200" b="0" i="1">
                             <a:latin typeface="Cambria Math" panose="02040503050406030204" pitchFamily="18" charset="0"/>
                           </a:rPr>
                           <m:t>)</m:t>
@@ -4404,13 +4694,13 @@
                       </m:num>
                       <m:den>
                         <m:r>
-                          <a:rPr lang="en-US" b="0" i="1" smtClean="0">
+                          <a:rPr lang="en-US" sz="2200" b="0" i="1">
                             <a:latin typeface="Cambria Math" panose="02040503050406030204" pitchFamily="18" charset="0"/>
                           </a:rPr>
                           <m:t>𝑓</m:t>
                         </m:r>
                         <m:r>
-                          <a:rPr lang="en-US" b="0" i="1" smtClean="0">
+                          <a:rPr lang="en-US" sz="2200" b="0" i="1">
                             <a:latin typeface="Cambria Math" panose="02040503050406030204" pitchFamily="18" charset="0"/>
                           </a:rPr>
                           <m:t>`(</m:t>
@@ -4418,14 +4708,14 @@
                         <m:sSub>
                           <m:sSubPr>
                             <m:ctrlPr>
-                              <a:rPr lang="en-US" b="0" i="1" smtClean="0">
+                              <a:rPr lang="en-US" sz="2200" b="0" i="1">
                                 <a:latin typeface="Cambria Math" panose="02040503050406030204" pitchFamily="18" charset="0"/>
                               </a:rPr>
                             </m:ctrlPr>
                           </m:sSubPr>
                           <m:e>
                             <m:r>
-                              <a:rPr lang="en-US" b="0" i="1" smtClean="0">
+                              <a:rPr lang="en-US" sz="2200" b="0" i="1">
                                 <a:latin typeface="Cambria Math" panose="02040503050406030204" pitchFamily="18" charset="0"/>
                               </a:rPr>
                               <m:t>𝑥</m:t>
@@ -4433,7 +4723,7 @@
                           </m:e>
                           <m:sub>
                             <m:r>
-                              <a:rPr lang="en-US" b="0" i="1" smtClean="0">
+                              <a:rPr lang="en-US" sz="2200" b="0" i="1">
                                 <a:latin typeface="Cambria Math" panose="02040503050406030204" pitchFamily="18" charset="0"/>
                               </a:rPr>
                               <m:t>𝑛</m:t>
@@ -4441,7 +4731,7 @@
                           </m:sub>
                         </m:sSub>
                         <m:r>
-                          <a:rPr lang="en-US" b="0" i="1" smtClean="0">
+                          <a:rPr lang="en-US" sz="2200" b="0" i="1">
                             <a:latin typeface="Cambria Math" panose="02040503050406030204" pitchFamily="18" charset="0"/>
                           </a:rPr>
                           <m:t>)</m:t>
@@ -4450,7 +4740,7 @@
                     </m:f>
                   </m:oMath>
                 </a14:m>
-                <a:endParaRPr lang="es-ES" dirty="0"/>
+                <a:endParaRPr lang="es-ES" sz="2200"/>
               </a:p>
             </p:txBody>
           </p:sp>
@@ -4473,10 +4763,14 @@
               </p:nvPr>
             </p:nvSpPr>
             <p:spPr>
+              <a:xfrm>
+                <a:off x="6071616" y="1330007"/>
+                <a:ext cx="5477256" cy="4692396"/>
+              </a:xfrm>
               <a:blipFill>
                 <a:blip r:embed="rId2"/>
                 <a:stretch>
-                  <a:fillRect l="-1043" t="-2241" r="-812"/>
+                  <a:fillRect l="-1224"/>
                 </a:stretch>
               </a:blipFill>
             </p:spPr>
@@ -4503,7 +4797,836 @@
     </p:extLst>
   </p:cSld>
   <p:clrMapOvr>
-    <a:masterClrMapping/>
+    <a:overrideClrMapping bg1="dk1" tx1="lt1" bg2="dk2" tx2="lt2" accent1="accent1" accent2="accent2" accent3="accent3" accent4="accent4" accent5="accent5" accent6="accent6" hlink="hlink" folHlink="folHlink"/>
+  </p:clrMapOvr>
+</p:sld>
+</file>
+
+<file path=ppt/slides/slide4.xml><?xml version="1.0" encoding="utf-8"?>
+<p:sld xmlns:a="http://schemas.openxmlformats.org/drawingml/2006/main" xmlns:r="http://schemas.openxmlformats.org/officeDocument/2006/relationships" xmlns:p="http://schemas.openxmlformats.org/presentationml/2006/main">
+  <p:cSld>
+    <p:bg>
+      <p:bgPr>
+        <a:solidFill>
+          <a:schemeClr val="bg1">
+            <a:tint val="95000"/>
+            <a:satMod val="170000"/>
+          </a:schemeClr>
+        </a:solidFill>
+        <a:effectLst/>
+      </p:bgPr>
+    </p:bg>
+    <p:spTree>
+      <p:nvGrpSpPr>
+        <p:cNvPr id="1" name=""/>
+        <p:cNvGrpSpPr/>
+        <p:nvPr/>
+      </p:nvGrpSpPr>
+      <p:grpSpPr>
+        <a:xfrm>
+          <a:off x="0" y="0"/>
+          <a:ext cx="0" cy="0"/>
+          <a:chOff x="0" y="0"/>
+          <a:chExt cx="0" cy="0"/>
+        </a:xfrm>
+      </p:grpSpPr>
+      <p:sp useBgFill="1">
+        <p:nvSpPr>
+          <p:cNvPr id="13" name="!!BGRectangle">
+            <a:extLst>
+              <a:ext uri="{FF2B5EF4-FFF2-40B4-BE49-F238E27FC236}">
+                <a16:creationId xmlns:a16="http://schemas.microsoft.com/office/drawing/2014/main" id="{9B76D444-2756-434F-AE61-96D69830C13E}"/>
+              </a:ext>
+              <a:ext uri="{C183D7F6-B498-43B3-948B-1728B52AA6E4}">
+                <adec:decorative xmlns:adec="http://schemas.microsoft.com/office/drawing/2017/decorative" val="1"/>
+              </a:ext>
+            </a:extLst>
+          </p:cNvPr>
+          <p:cNvSpPr>
+            <a:spLocks noGrp="1" noRot="1" noChangeAspect="1" noMove="1" noResize="1" noEditPoints="1" noAdjustHandles="1" noChangeArrowheads="1" noChangeShapeType="1" noTextEdit="1"/>
+          </p:cNvSpPr>
+          <p:nvPr>
+            <p:extLst>
+              <p:ext uri="{386F3935-93C4-4BCD-93E2-E3B085C9AB24}">
+                <p16:designElem xmlns:p16="http://schemas.microsoft.com/office/powerpoint/2015/main" val="1"/>
+              </p:ext>
+            </p:extLst>
+          </p:nvPr>
+        </p:nvSpPr>
+        <p:spPr>
+          <a:xfrm>
+            <a:off x="0" y="0"/>
+            <a:ext cx="12188952" cy="6858000"/>
+          </a:xfrm>
+          <a:prstGeom prst="rect">
+            <a:avLst/>
+          </a:prstGeom>
+          <a:ln>
+            <a:noFill/>
+          </a:ln>
+        </p:spPr>
+        <p:style>
+          <a:lnRef idx="2">
+            <a:schemeClr val="accent1">
+              <a:shade val="50000"/>
+            </a:schemeClr>
+          </a:lnRef>
+          <a:fillRef idx="1">
+            <a:schemeClr val="accent1"/>
+          </a:fillRef>
+          <a:effectRef idx="0">
+            <a:schemeClr val="accent1"/>
+          </a:effectRef>
+          <a:fontRef idx="minor">
+            <a:schemeClr val="lt1"/>
+          </a:fontRef>
+        </p:style>
+        <p:txBody>
+          <a:bodyPr rtlCol="0" anchor="ctr"/>
+          <a:lstStyle/>
+          <a:p>
+            <a:pPr algn="ctr"/>
+            <a:endParaRPr lang="en-US"/>
+          </a:p>
+        </p:txBody>
+      </p:sp>
+      <p:sp>
+        <p:nvSpPr>
+          <p:cNvPr id="2" name="Title 1">
+            <a:extLst>
+              <a:ext uri="{FF2B5EF4-FFF2-40B4-BE49-F238E27FC236}">
+                <a16:creationId xmlns:a16="http://schemas.microsoft.com/office/drawing/2014/main" id="{A5192923-7382-4979-8307-5E5319B09CC3}"/>
+              </a:ext>
+            </a:extLst>
+          </p:cNvPr>
+          <p:cNvSpPr>
+            <a:spLocks noGrp="1"/>
+          </p:cNvSpPr>
+          <p:nvPr>
+            <p:ph type="title"/>
+          </p:nvPr>
+        </p:nvSpPr>
+        <p:spPr>
+          <a:xfrm>
+            <a:off x="841247" y="474146"/>
+            <a:ext cx="10515593" cy="1197864"/>
+          </a:xfrm>
+        </p:spPr>
+        <p:txBody>
+          <a:bodyPr>
+            <a:normAutofit/>
+          </a:bodyPr>
+          <a:lstStyle/>
+          <a:p>
+            <a:r>
+              <a:rPr lang="es-MX" dirty="0"/>
+              <a:t>Interpolación de Lagrange</a:t>
+            </a:r>
+          </a:p>
+        </p:txBody>
+      </p:sp>
+      <p:sp>
+        <p:nvSpPr>
+          <p:cNvPr id="14" name="!!Line">
+            <a:extLst>
+              <a:ext uri="{FF2B5EF4-FFF2-40B4-BE49-F238E27FC236}">
+                <a16:creationId xmlns:a16="http://schemas.microsoft.com/office/drawing/2014/main" id="{B0161EF8-C8C6-4F2A-9D5C-49BD28A2BDC2}"/>
+              </a:ext>
+              <a:ext uri="{C183D7F6-B498-43B3-948B-1728B52AA6E4}">
+                <adec:decorative xmlns:adec="http://schemas.microsoft.com/office/drawing/2017/decorative" val="1"/>
+              </a:ext>
+            </a:extLst>
+          </p:cNvPr>
+          <p:cNvSpPr>
+            <a:spLocks noGrp="1" noRot="1" noChangeAspect="1" noMove="1" noResize="1" noEditPoints="1" noAdjustHandles="1" noChangeArrowheads="1" noChangeShapeType="1" noTextEdit="1"/>
+          </p:cNvSpPr>
+          <p:nvPr>
+            <p:extLst>
+              <p:ext uri="{386F3935-93C4-4BCD-93E2-E3B085C9AB24}">
+                <p16:designElem xmlns:p16="http://schemas.microsoft.com/office/powerpoint/2015/main" val="1"/>
+              </p:ext>
+            </p:extLst>
+          </p:nvPr>
+        </p:nvSpPr>
+        <p:spPr>
+          <a:xfrm>
+            <a:off x="466344" y="585216"/>
+            <a:ext cx="9144" cy="914400"/>
+          </a:xfrm>
+          <a:prstGeom prst="rect">
+            <a:avLst/>
+          </a:prstGeom>
+          <a:solidFill>
+            <a:schemeClr val="tx1"/>
+          </a:solidFill>
+          <a:ln>
+            <a:noFill/>
+          </a:ln>
+        </p:spPr>
+        <p:style>
+          <a:lnRef idx="2">
+            <a:schemeClr val="accent1">
+              <a:shade val="50000"/>
+            </a:schemeClr>
+          </a:lnRef>
+          <a:fillRef idx="1">
+            <a:schemeClr val="accent1"/>
+          </a:fillRef>
+          <a:effectRef idx="0">
+            <a:schemeClr val="accent1"/>
+          </a:effectRef>
+          <a:fontRef idx="minor">
+            <a:schemeClr val="lt1"/>
+          </a:fontRef>
+        </p:style>
+        <p:txBody>
+          <a:bodyPr rtlCol="0" anchor="ctr"/>
+          <a:lstStyle/>
+          <a:p>
+            <a:pPr algn="ctr"/>
+            <a:endParaRPr lang="en-US"/>
+          </a:p>
+        </p:txBody>
+      </p:sp>
+      <p:pic>
+        <p:nvPicPr>
+          <p:cNvPr id="4" name="Picture 3">
+            <a:extLst>
+              <a:ext uri="{FF2B5EF4-FFF2-40B4-BE49-F238E27FC236}">
+                <a16:creationId xmlns:a16="http://schemas.microsoft.com/office/drawing/2014/main" id="{52A3FDC6-76AF-401F-8C6E-1C5F1D5A7CD9}"/>
+              </a:ext>
+            </a:extLst>
+          </p:cNvPr>
+          <p:cNvPicPr>
+            <a:picLocks noChangeAspect="1"/>
+          </p:cNvPicPr>
+          <p:nvPr/>
+        </p:nvPicPr>
+        <p:blipFill rotWithShape="1">
+          <a:blip r:embed="rId2"/>
+          <a:srcRect t="1482" r="-1" b="-1"/>
+          <a:stretch/>
+        </p:blipFill>
+        <p:spPr>
+          <a:xfrm>
+            <a:off x="835153" y="2002117"/>
+            <a:ext cx="6215794" cy="4171569"/>
+          </a:xfrm>
+          <a:prstGeom prst="rect">
+            <a:avLst/>
+          </a:prstGeom>
+        </p:spPr>
+      </p:pic>
+      <p:sp>
+        <p:nvSpPr>
+          <p:cNvPr id="3" name="Content Placeholder 2">
+            <a:extLst>
+              <a:ext uri="{FF2B5EF4-FFF2-40B4-BE49-F238E27FC236}">
+                <a16:creationId xmlns:a16="http://schemas.microsoft.com/office/drawing/2014/main" id="{C7B269D4-17E3-4C35-B6FD-329FF5242491}"/>
+              </a:ext>
+            </a:extLst>
+          </p:cNvPr>
+          <p:cNvSpPr>
+            <a:spLocks noGrp="1"/>
+          </p:cNvSpPr>
+          <p:nvPr>
+            <p:ph idx="1"/>
+          </p:nvPr>
+        </p:nvSpPr>
+        <p:spPr>
+          <a:xfrm>
+            <a:off x="7533314" y="1999578"/>
+            <a:ext cx="3823525" cy="4171568"/>
+          </a:xfrm>
+        </p:spPr>
+        <p:txBody>
+          <a:bodyPr anchor="ctr">
+            <a:normAutofit/>
+          </a:bodyPr>
+          <a:lstStyle/>
+          <a:p>
+            <a:r>
+              <a:rPr lang="es-ES" sz="2000" dirty="0"/>
+              <a:t>El polinomio de interpolación de Lagrange es una reformulación del polinomio de interpolación de Newton, el método evita el cálculo de las diferencias divididas. El método tolera las diferencias entre las distancias x entre puntos.</a:t>
+            </a:r>
+          </a:p>
+          <a:p>
+            <a:r>
+              <a:rPr lang="es-ES" sz="2000" dirty="0"/>
+              <a:t>Donde una vez que se han seleccionado los puntos a usar, se generan la misma cantidad de términos que puntos.</a:t>
+            </a:r>
+            <a:endParaRPr lang="es-MX" sz="2000" dirty="0"/>
+          </a:p>
+        </p:txBody>
+      </p:sp>
+    </p:spTree>
+    <p:extLst>
+      <p:ext uri="{BB962C8B-B14F-4D97-AF65-F5344CB8AC3E}">
+        <p14:creationId xmlns:p14="http://schemas.microsoft.com/office/powerpoint/2010/main" val="1092601554"/>
+      </p:ext>
+    </p:extLst>
+  </p:cSld>
+  <p:clrMapOvr>
+    <a:overrideClrMapping bg1="dk1" tx1="lt1" bg2="dk2" tx2="lt2" accent1="accent1" accent2="accent2" accent3="accent3" accent4="accent4" accent5="accent5" accent6="accent6" hlink="hlink" folHlink="folHlink"/>
+  </p:clrMapOvr>
+</p:sld>
+</file>
+
+<file path=ppt/slides/slide5.xml><?xml version="1.0" encoding="utf-8"?>
+<p:sld xmlns:a="http://schemas.openxmlformats.org/drawingml/2006/main" xmlns:r="http://schemas.openxmlformats.org/officeDocument/2006/relationships" xmlns:p="http://schemas.openxmlformats.org/presentationml/2006/main">
+  <p:cSld>
+    <p:bg>
+      <p:bgPr>
+        <a:solidFill>
+          <a:schemeClr val="bg1">
+            <a:tint val="95000"/>
+            <a:satMod val="170000"/>
+          </a:schemeClr>
+        </a:solidFill>
+        <a:effectLst/>
+      </p:bgPr>
+    </p:bg>
+    <p:spTree>
+      <p:nvGrpSpPr>
+        <p:cNvPr id="1" name=""/>
+        <p:cNvGrpSpPr/>
+        <p:nvPr/>
+      </p:nvGrpSpPr>
+      <p:grpSpPr>
+        <a:xfrm>
+          <a:off x="0" y="0"/>
+          <a:ext cx="0" cy="0"/>
+          <a:chOff x="0" y="0"/>
+          <a:chExt cx="0" cy="0"/>
+        </a:xfrm>
+      </p:grpSpPr>
+      <p:sp useBgFill="1">
+        <p:nvSpPr>
+          <p:cNvPr id="12" name="Rectangle 7">
+            <a:extLst>
+              <a:ext uri="{FF2B5EF4-FFF2-40B4-BE49-F238E27FC236}">
+                <a16:creationId xmlns:a16="http://schemas.microsoft.com/office/drawing/2014/main" id="{AD72D4D1-076F-49D3-9889-EFC4F6D7CA66}"/>
+              </a:ext>
+              <a:ext uri="{C183D7F6-B498-43B3-948B-1728B52AA6E4}">
+                <adec:decorative xmlns:adec="http://schemas.microsoft.com/office/drawing/2017/decorative" val="1"/>
+              </a:ext>
+            </a:extLst>
+          </p:cNvPr>
+          <p:cNvSpPr>
+            <a:spLocks noGrp="1" noRot="1" noChangeAspect="1" noMove="1" noResize="1" noEditPoints="1" noAdjustHandles="1" noChangeArrowheads="1" noChangeShapeType="1" noTextEdit="1"/>
+          </p:cNvSpPr>
+          <p:nvPr>
+            <p:extLst>
+              <p:ext uri="{386F3935-93C4-4BCD-93E2-E3B085C9AB24}">
+                <p16:designElem xmlns:p16="http://schemas.microsoft.com/office/powerpoint/2015/main" val="1"/>
+              </p:ext>
+            </p:extLst>
+          </p:nvPr>
+        </p:nvSpPr>
+        <p:spPr>
+          <a:xfrm>
+            <a:off x="0" y="0"/>
+            <a:ext cx="12188952" cy="6858000"/>
+          </a:xfrm>
+          <a:prstGeom prst="rect">
+            <a:avLst/>
+          </a:prstGeom>
+          <a:ln>
+            <a:noFill/>
+          </a:ln>
+        </p:spPr>
+        <p:style>
+          <a:lnRef idx="2">
+            <a:schemeClr val="accent1">
+              <a:shade val="50000"/>
+            </a:schemeClr>
+          </a:lnRef>
+          <a:fillRef idx="1">
+            <a:schemeClr val="accent1"/>
+          </a:fillRef>
+          <a:effectRef idx="0">
+            <a:schemeClr val="accent1"/>
+          </a:effectRef>
+          <a:fontRef idx="minor">
+            <a:schemeClr val="lt1"/>
+          </a:fontRef>
+        </p:style>
+        <p:txBody>
+          <a:bodyPr rtlCol="0" anchor="ctr"/>
+          <a:lstStyle/>
+          <a:p>
+            <a:pPr algn="ctr"/>
+            <a:endParaRPr lang="en-US"/>
+          </a:p>
+        </p:txBody>
+      </p:sp>
+      <p:sp>
+        <p:nvSpPr>
+          <p:cNvPr id="2" name="Title 1">
+            <a:extLst>
+              <a:ext uri="{FF2B5EF4-FFF2-40B4-BE49-F238E27FC236}">
+                <a16:creationId xmlns:a16="http://schemas.microsoft.com/office/drawing/2014/main" id="{179B903A-6990-447D-A529-2E9923160B96}"/>
+              </a:ext>
+            </a:extLst>
+          </p:cNvPr>
+          <p:cNvSpPr>
+            <a:spLocks noGrp="1"/>
+          </p:cNvSpPr>
+          <p:nvPr>
+            <p:ph type="title"/>
+          </p:nvPr>
+        </p:nvSpPr>
+        <p:spPr>
+          <a:xfrm>
+            <a:off x="838200" y="963877"/>
+            <a:ext cx="3494362" cy="4930246"/>
+          </a:xfrm>
+        </p:spPr>
+        <p:txBody>
+          <a:bodyPr>
+            <a:normAutofit/>
+          </a:bodyPr>
+          <a:lstStyle/>
+          <a:p>
+            <a:pPr algn="r"/>
+            <a:r>
+              <a:rPr lang="es-MX"/>
+              <a:t>Conclusión</a:t>
+            </a:r>
+          </a:p>
+        </p:txBody>
+      </p:sp>
+      <p:cxnSp>
+        <p:nvCxnSpPr>
+          <p:cNvPr id="13" name="Straight Connector 9">
+            <a:extLst>
+              <a:ext uri="{FF2B5EF4-FFF2-40B4-BE49-F238E27FC236}">
+                <a16:creationId xmlns:a16="http://schemas.microsoft.com/office/drawing/2014/main" id="{2D72A2C9-F3CA-4216-8BAD-FA4C970C3C4E}"/>
+              </a:ext>
+              <a:ext uri="{C183D7F6-B498-43B3-948B-1728B52AA6E4}">
+                <adec:decorative xmlns:adec="http://schemas.microsoft.com/office/drawing/2017/decorative" val="1"/>
+              </a:ext>
+            </a:extLst>
+          </p:cNvPr>
+          <p:cNvCxnSpPr>
+            <a:cxnSpLocks noGrp="1" noRot="1" noChangeAspect="1" noMove="1" noResize="1" noEditPoints="1" noAdjustHandles="1" noChangeArrowheads="1" noChangeShapeType="1"/>
+          </p:cNvCxnSpPr>
+          <p:nvPr>
+            <p:extLst>
+              <p:ext uri="{386F3935-93C4-4BCD-93E2-E3B085C9AB24}">
+                <p16:designElem xmlns:p16="http://schemas.microsoft.com/office/powerpoint/2015/main" val="1"/>
+              </p:ext>
+            </p:extLst>
+          </p:nvPr>
+        </p:nvCxnSpPr>
+        <p:spPr>
+          <a:xfrm>
+            <a:off x="4654296" y="2057400"/>
+            <a:ext cx="0" cy="2743200"/>
+          </a:xfrm>
+          <a:prstGeom prst="line">
+            <a:avLst/>
+          </a:prstGeom>
+          <a:ln w="15875">
+            <a:solidFill>
+              <a:schemeClr val="tx1"/>
+            </a:solidFill>
+          </a:ln>
+        </p:spPr>
+        <p:style>
+          <a:lnRef idx="1">
+            <a:schemeClr val="accent1"/>
+          </a:lnRef>
+          <a:fillRef idx="0">
+            <a:schemeClr val="accent1"/>
+          </a:fillRef>
+          <a:effectRef idx="0">
+            <a:schemeClr val="accent1"/>
+          </a:effectRef>
+          <a:fontRef idx="minor">
+            <a:schemeClr val="tx1"/>
+          </a:fontRef>
+        </p:style>
+      </p:cxnSp>
+      <p:sp>
+        <p:nvSpPr>
+          <p:cNvPr id="3" name="Content Placeholder 2">
+            <a:extLst>
+              <a:ext uri="{FF2B5EF4-FFF2-40B4-BE49-F238E27FC236}">
+                <a16:creationId xmlns:a16="http://schemas.microsoft.com/office/drawing/2014/main" id="{CD5214F2-C203-4ECB-9DB1-22C040214F66}"/>
+              </a:ext>
+            </a:extLst>
+          </p:cNvPr>
+          <p:cNvSpPr>
+            <a:spLocks noGrp="1"/>
+          </p:cNvSpPr>
+          <p:nvPr>
+            <p:ph idx="1"/>
+          </p:nvPr>
+        </p:nvSpPr>
+        <p:spPr>
+          <a:xfrm>
+            <a:off x="4976031" y="963877"/>
+            <a:ext cx="6377769" cy="4930246"/>
+          </a:xfrm>
+        </p:spPr>
+        <p:txBody>
+          <a:bodyPr anchor="ctr">
+            <a:normAutofit/>
+          </a:bodyPr>
+          <a:lstStyle/>
+          <a:p>
+            <a:endParaRPr lang="es-MX" sz="2400"/>
+          </a:p>
+        </p:txBody>
+      </p:sp>
+    </p:spTree>
+    <p:extLst>
+      <p:ext uri="{BB962C8B-B14F-4D97-AF65-F5344CB8AC3E}">
+        <p14:creationId xmlns:p14="http://schemas.microsoft.com/office/powerpoint/2010/main" val="2352597302"/>
+      </p:ext>
+    </p:extLst>
+  </p:cSld>
+  <p:clrMapOvr>
+    <a:overrideClrMapping bg1="dk1" tx1="lt1" bg2="dk2" tx2="lt2" accent1="accent1" accent2="accent2" accent3="accent3" accent4="accent4" accent5="accent5" accent6="accent6" hlink="hlink" folHlink="folHlink"/>
+  </p:clrMapOvr>
+</p:sld>
+</file>
+
+<file path=ppt/slides/slide6.xml><?xml version="1.0" encoding="utf-8"?>
+<p:sld xmlns:a="http://schemas.openxmlformats.org/drawingml/2006/main" xmlns:r="http://schemas.openxmlformats.org/officeDocument/2006/relationships" xmlns:p="http://schemas.openxmlformats.org/presentationml/2006/main">
+  <p:cSld>
+    <p:bg>
+      <p:bgPr>
+        <a:solidFill>
+          <a:schemeClr val="bg1">
+            <a:tint val="95000"/>
+            <a:satMod val="170000"/>
+          </a:schemeClr>
+        </a:solidFill>
+        <a:effectLst/>
+      </p:bgPr>
+    </p:bg>
+    <p:spTree>
+      <p:nvGrpSpPr>
+        <p:cNvPr id="1" name=""/>
+        <p:cNvGrpSpPr/>
+        <p:nvPr/>
+      </p:nvGrpSpPr>
+      <p:grpSpPr>
+        <a:xfrm>
+          <a:off x="0" y="0"/>
+          <a:ext cx="0" cy="0"/>
+          <a:chOff x="0" y="0"/>
+          <a:chExt cx="0" cy="0"/>
+        </a:xfrm>
+      </p:grpSpPr>
+      <p:sp useBgFill="1">
+        <p:nvSpPr>
+          <p:cNvPr id="8" name="Rectangle 7">
+            <a:extLst>
+              <a:ext uri="{FF2B5EF4-FFF2-40B4-BE49-F238E27FC236}">
+                <a16:creationId xmlns:a16="http://schemas.microsoft.com/office/drawing/2014/main" id="{4E65CDE2-194C-4A17-9E3C-017E8A8970E2}"/>
+              </a:ext>
+              <a:ext uri="{C183D7F6-B498-43B3-948B-1728B52AA6E4}">
+                <adec:decorative xmlns:adec="http://schemas.microsoft.com/office/drawing/2017/decorative" val="1"/>
+              </a:ext>
+            </a:extLst>
+          </p:cNvPr>
+          <p:cNvSpPr>
+            <a:spLocks noGrp="1" noRot="1" noChangeAspect="1" noMove="1" noResize="1" noEditPoints="1" noAdjustHandles="1" noChangeArrowheads="1" noChangeShapeType="1" noTextEdit="1"/>
+          </p:cNvSpPr>
+          <p:nvPr>
+            <p:extLst>
+              <p:ext uri="{386F3935-93C4-4BCD-93E2-E3B085C9AB24}">
+                <p16:designElem xmlns:p16="http://schemas.microsoft.com/office/powerpoint/2015/main" val="1"/>
+              </p:ext>
+            </p:extLst>
+          </p:nvPr>
+        </p:nvSpPr>
+        <p:spPr>
+          <a:xfrm>
+            <a:off x="0" y="0"/>
+            <a:ext cx="12188952" cy="6858000"/>
+          </a:xfrm>
+          <a:prstGeom prst="rect">
+            <a:avLst/>
+          </a:prstGeom>
+          <a:ln>
+            <a:noFill/>
+          </a:ln>
+        </p:spPr>
+        <p:style>
+          <a:lnRef idx="2">
+            <a:schemeClr val="accent1">
+              <a:shade val="50000"/>
+            </a:schemeClr>
+          </a:lnRef>
+          <a:fillRef idx="1">
+            <a:schemeClr val="accent1"/>
+          </a:fillRef>
+          <a:effectRef idx="0">
+            <a:schemeClr val="accent1"/>
+          </a:effectRef>
+          <a:fontRef idx="minor">
+            <a:schemeClr val="lt1"/>
+          </a:fontRef>
+        </p:style>
+        <p:txBody>
+          <a:bodyPr rtlCol="0" anchor="ctr"/>
+          <a:lstStyle/>
+          <a:p>
+            <a:pPr algn="ctr"/>
+            <a:endParaRPr lang="en-US"/>
+          </a:p>
+        </p:txBody>
+      </p:sp>
+      <p:sp>
+        <p:nvSpPr>
+          <p:cNvPr id="2" name="Title 1">
+            <a:extLst>
+              <a:ext uri="{FF2B5EF4-FFF2-40B4-BE49-F238E27FC236}">
+                <a16:creationId xmlns:a16="http://schemas.microsoft.com/office/drawing/2014/main" id="{46DC6725-C59A-440E-B331-DBC57DCD857B}"/>
+              </a:ext>
+            </a:extLst>
+          </p:cNvPr>
+          <p:cNvSpPr>
+            <a:spLocks noGrp="1"/>
+          </p:cNvSpPr>
+          <p:nvPr>
+            <p:ph type="title"/>
+          </p:nvPr>
+        </p:nvSpPr>
+        <p:spPr>
+          <a:xfrm>
+            <a:off x="943276" y="712268"/>
+            <a:ext cx="10410524" cy="1193533"/>
+          </a:xfrm>
+        </p:spPr>
+        <p:txBody>
+          <a:bodyPr>
+            <a:normAutofit/>
+          </a:bodyPr>
+          <a:lstStyle/>
+          <a:p>
+            <a:r>
+              <a:rPr lang="es-MX">
+                <a:solidFill>
+                  <a:srgbClr val="FFFFFF"/>
+                </a:solidFill>
+              </a:rPr>
+              <a:t>Referencias</a:t>
+            </a:r>
+            <a:endParaRPr lang="es-MX" dirty="0">
+              <a:solidFill>
+                <a:srgbClr val="FFFFFF"/>
+              </a:solidFill>
+            </a:endParaRPr>
+          </a:p>
+        </p:txBody>
+      </p:sp>
+      <p:cxnSp>
+        <p:nvCxnSpPr>
+          <p:cNvPr id="10" name="Straight Connector 9">
+            <a:extLst>
+              <a:ext uri="{FF2B5EF4-FFF2-40B4-BE49-F238E27FC236}">
+                <a16:creationId xmlns:a16="http://schemas.microsoft.com/office/drawing/2014/main" id="{F2AE495E-2AAF-4BC1-87A5-331009D82896}"/>
+              </a:ext>
+              <a:ext uri="{C183D7F6-B498-43B3-948B-1728B52AA6E4}">
+                <adec:decorative xmlns:adec="http://schemas.microsoft.com/office/drawing/2017/decorative" val="1"/>
+              </a:ext>
+            </a:extLst>
+          </p:cNvPr>
+          <p:cNvCxnSpPr>
+            <a:cxnSpLocks noGrp="1" noRot="1" noChangeAspect="1" noMove="1" noResize="1" noEditPoints="1" noAdjustHandles="1" noChangeArrowheads="1" noChangeShapeType="1"/>
+          </p:cNvCxnSpPr>
+          <p:nvPr>
+            <p:extLst>
+              <p:ext uri="{386F3935-93C4-4BCD-93E2-E3B085C9AB24}">
+                <p16:designElem xmlns:p16="http://schemas.microsoft.com/office/powerpoint/2015/main" val="1"/>
+              </p:ext>
+            </p:extLst>
+          </p:nvPr>
+        </p:nvCxnSpPr>
+        <p:spPr>
+          <a:xfrm flipV="1">
+            <a:off x="762000" y="826324"/>
+            <a:ext cx="0" cy="914400"/>
+          </a:xfrm>
+          <a:prstGeom prst="line">
+            <a:avLst/>
+          </a:prstGeom>
+          <a:ln w="19050">
+            <a:solidFill>
+              <a:schemeClr val="tx1">
+                <a:alpha val="70000"/>
+              </a:schemeClr>
+            </a:solidFill>
+          </a:ln>
+        </p:spPr>
+        <p:style>
+          <a:lnRef idx="1">
+            <a:schemeClr val="accent1"/>
+          </a:lnRef>
+          <a:fillRef idx="0">
+            <a:schemeClr val="accent1"/>
+          </a:fillRef>
+          <a:effectRef idx="0">
+            <a:schemeClr val="accent1"/>
+          </a:effectRef>
+          <a:fontRef idx="minor">
+            <a:schemeClr val="tx1"/>
+          </a:fontRef>
+        </p:style>
+      </p:cxnSp>
+      <p:sp>
+        <p:nvSpPr>
+          <p:cNvPr id="3" name="Content Placeholder 2">
+            <a:extLst>
+              <a:ext uri="{FF2B5EF4-FFF2-40B4-BE49-F238E27FC236}">
+                <a16:creationId xmlns:a16="http://schemas.microsoft.com/office/drawing/2014/main" id="{8090D524-7217-41D7-8508-E8136772B802}"/>
+              </a:ext>
+            </a:extLst>
+          </p:cNvPr>
+          <p:cNvSpPr>
+            <a:spLocks noGrp="1"/>
+          </p:cNvSpPr>
+          <p:nvPr>
+            <p:ph idx="1"/>
+          </p:nvPr>
+        </p:nvSpPr>
+        <p:spPr>
+          <a:xfrm>
+            <a:off x="943276" y="2050181"/>
+            <a:ext cx="10410524" cy="4126782"/>
+          </a:xfrm>
+        </p:spPr>
+        <p:txBody>
+          <a:bodyPr>
+            <a:normAutofit/>
+          </a:bodyPr>
+          <a:lstStyle/>
+          <a:p>
+            <a:r>
+              <a:rPr lang="es-MX" sz="2400" dirty="0">
+                <a:solidFill>
+                  <a:srgbClr val="FFFFFF"/>
+                </a:solidFill>
+                <a:hlinkClick r:id="rId2"/>
+              </a:rPr>
+              <a:t>http://test.cua.uam.mx/MN/Methods/Raices/NewtonRaphson/NewtonRaphson.php</a:t>
+            </a:r>
+            <a:endParaRPr lang="es-MX" sz="2400" dirty="0">
+              <a:solidFill>
+                <a:srgbClr val="FFFFFF"/>
+              </a:solidFill>
+            </a:endParaRPr>
+          </a:p>
+          <a:p>
+            <a:r>
+              <a:rPr lang="es-MX" sz="2400" dirty="0">
+                <a:solidFill>
+                  <a:srgbClr val="FFFFFF"/>
+                </a:solidFill>
+                <a:hlinkClick r:id="rId3"/>
+              </a:rPr>
+              <a:t>http://ojs.urepublicana.edu.co/index.php/ingenieria/article/view/347/314</a:t>
+            </a:r>
+            <a:endParaRPr lang="es-MX" sz="2400" dirty="0">
+              <a:solidFill>
+                <a:srgbClr val="FFFFFF"/>
+              </a:solidFill>
+            </a:endParaRPr>
+          </a:p>
+          <a:p>
+            <a:r>
+              <a:rPr lang="es-MX" sz="2400" dirty="0">
+                <a:solidFill>
+                  <a:srgbClr val="FFFFFF"/>
+                </a:solidFill>
+                <a:hlinkClick r:id="rId4"/>
+              </a:rPr>
+              <a:t>https://mathworld.wolfram.com/LagrangeInterpolatingPolynomial.html</a:t>
+            </a:r>
+            <a:endParaRPr lang="es-MX" sz="2400" dirty="0">
+              <a:solidFill>
+                <a:srgbClr val="FFFFFF"/>
+              </a:solidFill>
+            </a:endParaRPr>
+          </a:p>
+          <a:p>
+            <a:r>
+              <a:rPr lang="es-MX" sz="2400" dirty="0">
+                <a:solidFill>
+                  <a:srgbClr val="FFFFFF"/>
+                </a:solidFill>
+                <a:hlinkClick r:id="rId5"/>
+              </a:rPr>
+              <a:t>https://docs.sympy.org/latest/index.html</a:t>
+            </a:r>
+            <a:endParaRPr lang="es-MX" sz="2400" dirty="0">
+              <a:solidFill>
+                <a:srgbClr val="FFFFFF"/>
+              </a:solidFill>
+            </a:endParaRPr>
+          </a:p>
+          <a:p>
+            <a:r>
+              <a:rPr lang="es-MX" sz="2400" dirty="0">
+                <a:solidFill>
+                  <a:srgbClr val="FFFFFF"/>
+                </a:solidFill>
+                <a:hlinkClick r:id="rId6"/>
+              </a:rPr>
+              <a:t>https://pythonguides.com/python-tkinter-treeview/</a:t>
+            </a:r>
+            <a:endParaRPr lang="es-MX" sz="2400" dirty="0">
+              <a:solidFill>
+                <a:srgbClr val="FFFFFF"/>
+              </a:solidFill>
+            </a:endParaRPr>
+          </a:p>
+          <a:p>
+            <a:r>
+              <a:rPr lang="es-MX" sz="2400" dirty="0">
+                <a:solidFill>
+                  <a:srgbClr val="FFFFFF"/>
+                </a:solidFill>
+                <a:hlinkClick r:id="rId7"/>
+              </a:rPr>
+              <a:t>https://www.geogebra.org/m/XCrwWHzy</a:t>
+            </a:r>
+            <a:endParaRPr lang="es-MX" sz="2400" dirty="0">
+              <a:solidFill>
+                <a:srgbClr val="FFFFFF"/>
+              </a:solidFill>
+            </a:endParaRPr>
+          </a:p>
+          <a:p>
+            <a:endParaRPr lang="es-MX" sz="2400" dirty="0">
+              <a:solidFill>
+                <a:srgbClr val="FFFFFF"/>
+              </a:solidFill>
+            </a:endParaRPr>
+          </a:p>
+          <a:p>
+            <a:endParaRPr lang="es-MX" sz="2400" dirty="0">
+              <a:solidFill>
+                <a:srgbClr val="FFFFFF"/>
+              </a:solidFill>
+            </a:endParaRPr>
+          </a:p>
+        </p:txBody>
+      </p:sp>
+    </p:spTree>
+    <p:extLst>
+      <p:ext uri="{BB962C8B-B14F-4D97-AF65-F5344CB8AC3E}">
+        <p14:creationId xmlns:p14="http://schemas.microsoft.com/office/powerpoint/2010/main" val="3915762922"/>
+      </p:ext>
+    </p:extLst>
+  </p:cSld>
+  <p:clrMapOvr>
+    <a:overrideClrMapping bg1="dk1" tx1="lt1" bg2="dk2" tx2="lt2" accent1="accent1" accent2="accent2" accent3="accent3" accent4="accent4" accent5="accent5" accent6="accent6" hlink="hlink" folHlink="folHlink"/>
   </p:clrMapOvr>
 </p:sld>
 </file>

--- a/Documentos/metodos_numericos.pptx
+++ b/Documentos/metodos_numericos.pptx
@@ -266,7 +266,7 @@
           <a:p>
             <a:fld id="{E56D2AD3-8B2C-48CB-B297-0B6241E22DB2}" type="datetimeFigureOut">
               <a:rPr lang="es-MX" smtClean="0"/>
-              <a:t>09/08/2021</a:t>
+              <a:t>10/08/2021</a:t>
             </a:fld>
             <a:endParaRPr lang="es-MX"/>
           </a:p>
@@ -320,7 +320,7 @@
           <a:p>
             <a:fld id="{D15C91AC-500E-4C6F-BE25-06F2CF436774}" type="slidenum">
               <a:rPr lang="es-MX" smtClean="0"/>
-              <a:t>‹#›</a:t>
+              <a:t>‹Nº›</a:t>
             </a:fld>
             <a:endParaRPr lang="es-MX"/>
           </a:p>
@@ -466,7 +466,7 @@
           <a:p>
             <a:fld id="{E56D2AD3-8B2C-48CB-B297-0B6241E22DB2}" type="datetimeFigureOut">
               <a:rPr lang="es-MX" smtClean="0"/>
-              <a:t>09/08/2021</a:t>
+              <a:t>10/08/2021</a:t>
             </a:fld>
             <a:endParaRPr lang="es-MX"/>
           </a:p>
@@ -520,7 +520,7 @@
           <a:p>
             <a:fld id="{D15C91AC-500E-4C6F-BE25-06F2CF436774}" type="slidenum">
               <a:rPr lang="es-MX" smtClean="0"/>
-              <a:t>‹#›</a:t>
+              <a:t>‹Nº›</a:t>
             </a:fld>
             <a:endParaRPr lang="es-MX"/>
           </a:p>
@@ -676,7 +676,7 @@
           <a:p>
             <a:fld id="{E56D2AD3-8B2C-48CB-B297-0B6241E22DB2}" type="datetimeFigureOut">
               <a:rPr lang="es-MX" smtClean="0"/>
-              <a:t>09/08/2021</a:t>
+              <a:t>10/08/2021</a:t>
             </a:fld>
             <a:endParaRPr lang="es-MX"/>
           </a:p>
@@ -730,7 +730,7 @@
           <a:p>
             <a:fld id="{D15C91AC-500E-4C6F-BE25-06F2CF436774}" type="slidenum">
               <a:rPr lang="es-MX" smtClean="0"/>
-              <a:t>‹#›</a:t>
+              <a:t>‹Nº›</a:t>
             </a:fld>
             <a:endParaRPr lang="es-MX"/>
           </a:p>
@@ -876,7 +876,7 @@
           <a:p>
             <a:fld id="{E56D2AD3-8B2C-48CB-B297-0B6241E22DB2}" type="datetimeFigureOut">
               <a:rPr lang="es-MX" smtClean="0"/>
-              <a:t>09/08/2021</a:t>
+              <a:t>10/08/2021</a:t>
             </a:fld>
             <a:endParaRPr lang="es-MX"/>
           </a:p>
@@ -930,7 +930,7 @@
           <a:p>
             <a:fld id="{D15C91AC-500E-4C6F-BE25-06F2CF436774}" type="slidenum">
               <a:rPr lang="es-MX" smtClean="0"/>
-              <a:t>‹#›</a:t>
+              <a:t>‹Nº›</a:t>
             </a:fld>
             <a:endParaRPr lang="es-MX"/>
           </a:p>
@@ -1152,7 +1152,7 @@
           <a:p>
             <a:fld id="{E56D2AD3-8B2C-48CB-B297-0B6241E22DB2}" type="datetimeFigureOut">
               <a:rPr lang="es-MX" smtClean="0"/>
-              <a:t>09/08/2021</a:t>
+              <a:t>10/08/2021</a:t>
             </a:fld>
             <a:endParaRPr lang="es-MX"/>
           </a:p>
@@ -1206,7 +1206,7 @@
           <a:p>
             <a:fld id="{D15C91AC-500E-4C6F-BE25-06F2CF436774}" type="slidenum">
               <a:rPr lang="es-MX" smtClean="0"/>
-              <a:t>‹#›</a:t>
+              <a:t>‹Nº›</a:t>
             </a:fld>
             <a:endParaRPr lang="es-MX"/>
           </a:p>
@@ -1420,7 +1420,7 @@
           <a:p>
             <a:fld id="{E56D2AD3-8B2C-48CB-B297-0B6241E22DB2}" type="datetimeFigureOut">
               <a:rPr lang="es-MX" smtClean="0"/>
-              <a:t>09/08/2021</a:t>
+              <a:t>10/08/2021</a:t>
             </a:fld>
             <a:endParaRPr lang="es-MX"/>
           </a:p>
@@ -1474,7 +1474,7 @@
           <a:p>
             <a:fld id="{D15C91AC-500E-4C6F-BE25-06F2CF436774}" type="slidenum">
               <a:rPr lang="es-MX" smtClean="0"/>
-              <a:t>‹#›</a:t>
+              <a:t>‹Nº›</a:t>
             </a:fld>
             <a:endParaRPr lang="es-MX"/>
           </a:p>
@@ -1835,7 +1835,7 @@
           <a:p>
             <a:fld id="{E56D2AD3-8B2C-48CB-B297-0B6241E22DB2}" type="datetimeFigureOut">
               <a:rPr lang="es-MX" smtClean="0"/>
-              <a:t>09/08/2021</a:t>
+              <a:t>10/08/2021</a:t>
             </a:fld>
             <a:endParaRPr lang="es-MX"/>
           </a:p>
@@ -1889,7 +1889,7 @@
           <a:p>
             <a:fld id="{D15C91AC-500E-4C6F-BE25-06F2CF436774}" type="slidenum">
               <a:rPr lang="es-MX" smtClean="0"/>
-              <a:t>‹#›</a:t>
+              <a:t>‹Nº›</a:t>
             </a:fld>
             <a:endParaRPr lang="es-MX"/>
           </a:p>
@@ -1977,7 +1977,7 @@
           <a:p>
             <a:fld id="{E56D2AD3-8B2C-48CB-B297-0B6241E22DB2}" type="datetimeFigureOut">
               <a:rPr lang="es-MX" smtClean="0"/>
-              <a:t>09/08/2021</a:t>
+              <a:t>10/08/2021</a:t>
             </a:fld>
             <a:endParaRPr lang="es-MX"/>
           </a:p>
@@ -2031,7 +2031,7 @@
           <a:p>
             <a:fld id="{D15C91AC-500E-4C6F-BE25-06F2CF436774}" type="slidenum">
               <a:rPr lang="es-MX" smtClean="0"/>
-              <a:t>‹#›</a:t>
+              <a:t>‹Nº›</a:t>
             </a:fld>
             <a:endParaRPr lang="es-MX"/>
           </a:p>
@@ -2090,7 +2090,7 @@
           <a:p>
             <a:fld id="{E56D2AD3-8B2C-48CB-B297-0B6241E22DB2}" type="datetimeFigureOut">
               <a:rPr lang="es-MX" smtClean="0"/>
-              <a:t>09/08/2021</a:t>
+              <a:t>10/08/2021</a:t>
             </a:fld>
             <a:endParaRPr lang="es-MX"/>
           </a:p>
@@ -2144,7 +2144,7 @@
           <a:p>
             <a:fld id="{D15C91AC-500E-4C6F-BE25-06F2CF436774}" type="slidenum">
               <a:rPr lang="es-MX" smtClean="0"/>
-              <a:t>‹#›</a:t>
+              <a:t>‹Nº›</a:t>
             </a:fld>
             <a:endParaRPr lang="es-MX"/>
           </a:p>
@@ -2403,7 +2403,7 @@
           <a:p>
             <a:fld id="{E56D2AD3-8B2C-48CB-B297-0B6241E22DB2}" type="datetimeFigureOut">
               <a:rPr lang="es-MX" smtClean="0"/>
-              <a:t>09/08/2021</a:t>
+              <a:t>10/08/2021</a:t>
             </a:fld>
             <a:endParaRPr lang="es-MX"/>
           </a:p>
@@ -2457,7 +2457,7 @@
           <a:p>
             <a:fld id="{D15C91AC-500E-4C6F-BE25-06F2CF436774}" type="slidenum">
               <a:rPr lang="es-MX" smtClean="0"/>
-              <a:t>‹#›</a:t>
+              <a:t>‹Nº›</a:t>
             </a:fld>
             <a:endParaRPr lang="es-MX"/>
           </a:p>
@@ -2692,7 +2692,7 @@
           <a:p>
             <a:fld id="{E56D2AD3-8B2C-48CB-B297-0B6241E22DB2}" type="datetimeFigureOut">
               <a:rPr lang="es-MX" smtClean="0"/>
-              <a:t>09/08/2021</a:t>
+              <a:t>10/08/2021</a:t>
             </a:fld>
             <a:endParaRPr lang="es-MX"/>
           </a:p>
@@ -2746,7 +2746,7 @@
           <a:p>
             <a:fld id="{D15C91AC-500E-4C6F-BE25-06F2CF436774}" type="slidenum">
               <a:rPr lang="es-MX" smtClean="0"/>
-              <a:t>‹#›</a:t>
+              <a:t>‹Nº›</a:t>
             </a:fld>
             <a:endParaRPr lang="es-MX"/>
           </a:p>
@@ -2935,7 +2935,7 @@
           <a:p>
             <a:fld id="{E56D2AD3-8B2C-48CB-B297-0B6241E22DB2}" type="datetimeFigureOut">
               <a:rPr lang="es-MX" smtClean="0"/>
-              <a:t>09/08/2021</a:t>
+              <a:t>10/08/2021</a:t>
             </a:fld>
             <a:endParaRPr lang="es-MX"/>
           </a:p>
@@ -3025,7 +3025,7 @@
           <a:p>
             <a:fld id="{D15C91AC-500E-4C6F-BE25-06F2CF436774}" type="slidenum">
               <a:rPr lang="es-MX" smtClean="0"/>
-              <a:t>‹#›</a:t>
+              <a:t>‹Nº›</a:t>
             </a:fld>
             <a:endParaRPr lang="es-MX"/>
           </a:p>
@@ -4471,8 +4471,8 @@
           </a:p>
         </p:txBody>
       </p:sp>
-      <mc:AlternateContent xmlns:mc="http://schemas.openxmlformats.org/markup-compatibility/2006">
-        <mc:Choice xmlns:a14="http://schemas.microsoft.com/office/drawing/2010/main" Requires="a14">
+      <mc:AlternateContent xmlns:mc="http://schemas.openxmlformats.org/markup-compatibility/2006" xmlns:a14="http://schemas.microsoft.com/office/drawing/2010/main">
+        <mc:Choice Requires="a14">
           <p:sp>
             <p:nvSpPr>
               <p:cNvPr id="3" name="Content Placeholder 2">
@@ -4745,7 +4745,7 @@
             </p:txBody>
           </p:sp>
         </mc:Choice>
-        <mc:Fallback>
+        <mc:Fallback xmlns="">
           <p:sp>
             <p:nvSpPr>
               <p:cNvPr id="3" name="Content Placeholder 2">
@@ -5276,7 +5276,10 @@
           </a:bodyPr>
           <a:lstStyle/>
           <a:p>
-            <a:endParaRPr lang="es-MX" sz="2400"/>
+            <a:r>
+              <a:rPr lang="es-MX" sz="2400" dirty="0"/>
+              <a:t>Los métodos numéricos son un método el cual nos sirve bastante para estudios e investigaciones a la hora de acercarnos a cierto resultado y con dicha aproximación podría tener miles de usos dentro de la programación</a:t>
+            </a:r>
           </a:p>
         </p:txBody>
       </p:sp>
